--- a/img/arduino.pptx
+++ b/img/arduino.pptx
@@ -7,6 +7,8 @@
   <p:sldIdLst>
     <p:sldId id="256" r:id="rId2"/>
     <p:sldId id="321" r:id="rId3"/>
+    <p:sldId id="322" r:id="rId4"/>
+    <p:sldId id="323" r:id="rId5"/>
   </p:sldIdLst>
   <p:sldSz cx="12192000" cy="6858000"/>
   <p:notesSz cx="6858000" cy="9144000"/>
@@ -262,7 +264,7 @@
           <a:p>
             <a:fld id="{3F5F67B6-3A2F-0341-87D1-0E4537B22E46}" type="datetimeFigureOut">
               <a:rPr lang="en-NL" smtClean="0"/>
-              <a:t>15/11/2025</a:t>
+              <a:t>17/11/2025</a:t>
             </a:fld>
             <a:endParaRPr lang="en-NL"/>
           </a:p>
@@ -462,7 +464,7 @@
           <a:p>
             <a:fld id="{3F5F67B6-3A2F-0341-87D1-0E4537B22E46}" type="datetimeFigureOut">
               <a:rPr lang="en-NL" smtClean="0"/>
-              <a:t>15/11/2025</a:t>
+              <a:t>17/11/2025</a:t>
             </a:fld>
             <a:endParaRPr lang="en-NL"/>
           </a:p>
@@ -672,7 +674,7 @@
           <a:p>
             <a:fld id="{3F5F67B6-3A2F-0341-87D1-0E4537B22E46}" type="datetimeFigureOut">
               <a:rPr lang="en-NL" smtClean="0"/>
-              <a:t>15/11/2025</a:t>
+              <a:t>17/11/2025</a:t>
             </a:fld>
             <a:endParaRPr lang="en-NL"/>
           </a:p>
@@ -872,7 +874,7 @@
           <a:p>
             <a:fld id="{3F5F67B6-3A2F-0341-87D1-0E4537B22E46}" type="datetimeFigureOut">
               <a:rPr lang="en-NL" smtClean="0"/>
-              <a:t>15/11/2025</a:t>
+              <a:t>17/11/2025</a:t>
             </a:fld>
             <a:endParaRPr lang="en-NL"/>
           </a:p>
@@ -1148,7 +1150,7 @@
           <a:p>
             <a:fld id="{3F5F67B6-3A2F-0341-87D1-0E4537B22E46}" type="datetimeFigureOut">
               <a:rPr lang="en-NL" smtClean="0"/>
-              <a:t>15/11/2025</a:t>
+              <a:t>17/11/2025</a:t>
             </a:fld>
             <a:endParaRPr lang="en-NL"/>
           </a:p>
@@ -1416,7 +1418,7 @@
           <a:p>
             <a:fld id="{3F5F67B6-3A2F-0341-87D1-0E4537B22E46}" type="datetimeFigureOut">
               <a:rPr lang="en-NL" smtClean="0"/>
-              <a:t>15/11/2025</a:t>
+              <a:t>17/11/2025</a:t>
             </a:fld>
             <a:endParaRPr lang="en-NL"/>
           </a:p>
@@ -1831,7 +1833,7 @@
           <a:p>
             <a:fld id="{3F5F67B6-3A2F-0341-87D1-0E4537B22E46}" type="datetimeFigureOut">
               <a:rPr lang="en-NL" smtClean="0"/>
-              <a:t>15/11/2025</a:t>
+              <a:t>17/11/2025</a:t>
             </a:fld>
             <a:endParaRPr lang="en-NL"/>
           </a:p>
@@ -1973,7 +1975,7 @@
           <a:p>
             <a:fld id="{3F5F67B6-3A2F-0341-87D1-0E4537B22E46}" type="datetimeFigureOut">
               <a:rPr lang="en-NL" smtClean="0"/>
-              <a:t>15/11/2025</a:t>
+              <a:t>17/11/2025</a:t>
             </a:fld>
             <a:endParaRPr lang="en-NL"/>
           </a:p>
@@ -2086,7 +2088,7 @@
           <a:p>
             <a:fld id="{3F5F67B6-3A2F-0341-87D1-0E4537B22E46}" type="datetimeFigureOut">
               <a:rPr lang="en-NL" smtClean="0"/>
-              <a:t>15/11/2025</a:t>
+              <a:t>17/11/2025</a:t>
             </a:fld>
             <a:endParaRPr lang="en-NL"/>
           </a:p>
@@ -2399,7 +2401,7 @@
           <a:p>
             <a:fld id="{3F5F67B6-3A2F-0341-87D1-0E4537B22E46}" type="datetimeFigureOut">
               <a:rPr lang="en-NL" smtClean="0"/>
-              <a:t>15/11/2025</a:t>
+              <a:t>17/11/2025</a:t>
             </a:fld>
             <a:endParaRPr lang="en-NL"/>
           </a:p>
@@ -2688,7 +2690,7 @@
           <a:p>
             <a:fld id="{3F5F67B6-3A2F-0341-87D1-0E4537B22E46}" type="datetimeFigureOut">
               <a:rPr lang="en-NL" smtClean="0"/>
-              <a:t>15/11/2025</a:t>
+              <a:t>17/11/2025</a:t>
             </a:fld>
             <a:endParaRPr lang="en-NL"/>
           </a:p>
@@ -2931,7 +2933,7 @@
           <a:p>
             <a:fld id="{3F5F67B6-3A2F-0341-87D1-0E4537B22E46}" type="datetimeFigureOut">
               <a:rPr lang="en-NL" smtClean="0"/>
-              <a:t>15/11/2025</a:t>
+              <a:t>17/11/2025</a:t>
             </a:fld>
             <a:endParaRPr lang="en-NL"/>
           </a:p>
@@ -4134,6 +4136,438 @@
 </p:sld>
 </file>
 
+<file path=ppt/slides/slide3.xml><?xml version="1.0" encoding="utf-8"?>
+<p:sld xmlns:a="http://schemas.openxmlformats.org/drawingml/2006/main" xmlns:r="http://schemas.openxmlformats.org/officeDocument/2006/relationships" xmlns:p="http://schemas.openxmlformats.org/presentationml/2006/main">
+  <p:cSld>
+    <p:spTree>
+      <p:nvGrpSpPr>
+        <p:cNvPr id="1" name=""/>
+        <p:cNvGrpSpPr/>
+        <p:nvPr/>
+      </p:nvGrpSpPr>
+      <p:grpSpPr>
+        <a:xfrm>
+          <a:off x="0" y="0"/>
+          <a:ext cx="0" cy="0"/>
+          <a:chOff x="0" y="0"/>
+          <a:chExt cx="0" cy="0"/>
+        </a:xfrm>
+      </p:grpSpPr>
+      <p:pic>
+        <p:nvPicPr>
+          <p:cNvPr id="2" name="Picture 1">
+            <a:extLst>
+              <a:ext uri="{FF2B5EF4-FFF2-40B4-BE49-F238E27FC236}">
+                <a16:creationId xmlns:a16="http://schemas.microsoft.com/office/drawing/2014/main" id="{3F2AD9CA-4300-B6FF-E72B-6EE36D25EE6F}"/>
+              </a:ext>
+            </a:extLst>
+          </p:cNvPr>
+          <p:cNvPicPr>
+            <a:picLocks noChangeAspect="1"/>
+          </p:cNvPicPr>
+          <p:nvPr/>
+        </p:nvPicPr>
+        <p:blipFill>
+          <a:blip r:embed="rId2"/>
+          <a:stretch>
+            <a:fillRect/>
+          </a:stretch>
+        </p:blipFill>
+        <p:spPr>
+          <a:xfrm>
+            <a:off x="1160656" y="885728"/>
+            <a:ext cx="9870688" cy="3778250"/>
+          </a:xfrm>
+          <a:prstGeom prst="rect">
+            <a:avLst/>
+          </a:prstGeom>
+        </p:spPr>
+      </p:pic>
+      <p:pic>
+        <p:nvPicPr>
+          <p:cNvPr id="3" name="Picture 2">
+            <a:extLst>
+              <a:ext uri="{FF2B5EF4-FFF2-40B4-BE49-F238E27FC236}">
+                <a16:creationId xmlns:a16="http://schemas.microsoft.com/office/drawing/2014/main" id="{AB81268D-6C40-390D-ED28-A568C7546EBC}"/>
+              </a:ext>
+            </a:extLst>
+          </p:cNvPr>
+          <p:cNvPicPr>
+            <a:picLocks noChangeAspect="1"/>
+          </p:cNvPicPr>
+          <p:nvPr/>
+        </p:nvPicPr>
+        <p:blipFill>
+          <a:blip r:embed="rId3"/>
+          <a:stretch>
+            <a:fillRect/>
+          </a:stretch>
+        </p:blipFill>
+        <p:spPr>
+          <a:xfrm rot="10800000">
+            <a:off x="1337602" y="913864"/>
+            <a:ext cx="9693741" cy="740228"/>
+          </a:xfrm>
+          <a:prstGeom prst="rect">
+            <a:avLst/>
+          </a:prstGeom>
+        </p:spPr>
+      </p:pic>
+      <p:sp>
+        <p:nvSpPr>
+          <p:cNvPr id="4" name="TextBox 3">
+            <a:extLst>
+              <a:ext uri="{FF2B5EF4-FFF2-40B4-BE49-F238E27FC236}">
+                <a16:creationId xmlns:a16="http://schemas.microsoft.com/office/drawing/2014/main" id="{B027E325-13CF-58C4-C4C0-FE5A207C0064}"/>
+              </a:ext>
+            </a:extLst>
+          </p:cNvPr>
+          <p:cNvSpPr txBox="1"/>
+          <p:nvPr/>
+        </p:nvSpPr>
+        <p:spPr>
+          <a:xfrm>
+            <a:off x="5458265" y="1682228"/>
+            <a:ext cx="377026" cy="523220"/>
+          </a:xfrm>
+          <a:prstGeom prst="rect">
+            <a:avLst/>
+          </a:prstGeom>
+          <a:noFill/>
+        </p:spPr>
+        <p:txBody>
+          <a:bodyPr wrap="none" rtlCol="0">
+            <a:spAutoFit/>
+          </a:bodyPr>
+          <a:lstStyle/>
+          <a:p>
+            <a:r>
+              <a:rPr lang="en-NL" sz="2800" b="1" dirty="0"/>
+              <a:t>1</a:t>
+            </a:r>
+          </a:p>
+        </p:txBody>
+      </p:sp>
+      <p:sp>
+        <p:nvSpPr>
+          <p:cNvPr id="5" name="TextBox 4">
+            <a:extLst>
+              <a:ext uri="{FF2B5EF4-FFF2-40B4-BE49-F238E27FC236}">
+                <a16:creationId xmlns:a16="http://schemas.microsoft.com/office/drawing/2014/main" id="{295EEB9F-76BB-1519-3D05-0535002CD6D0}"/>
+              </a:ext>
+            </a:extLst>
+          </p:cNvPr>
+          <p:cNvSpPr txBox="1"/>
+          <p:nvPr/>
+        </p:nvSpPr>
+        <p:spPr>
+          <a:xfrm>
+            <a:off x="5807446" y="1682228"/>
+            <a:ext cx="377026" cy="523220"/>
+          </a:xfrm>
+          <a:prstGeom prst="rect">
+            <a:avLst/>
+          </a:prstGeom>
+          <a:noFill/>
+        </p:spPr>
+        <p:txBody>
+          <a:bodyPr wrap="none" rtlCol="0">
+            <a:spAutoFit/>
+          </a:bodyPr>
+          <a:lstStyle/>
+          <a:p>
+            <a:r>
+              <a:rPr lang="en-NL" sz="2800" b="1" dirty="0"/>
+              <a:t>0</a:t>
+            </a:r>
+          </a:p>
+        </p:txBody>
+      </p:sp>
+      <p:sp>
+        <p:nvSpPr>
+          <p:cNvPr id="6" name="TextBox 5">
+            <a:extLst>
+              <a:ext uri="{FF2B5EF4-FFF2-40B4-BE49-F238E27FC236}">
+                <a16:creationId xmlns:a16="http://schemas.microsoft.com/office/drawing/2014/main" id="{5F00FC32-B17A-48C7-54CC-2566451095F1}"/>
+              </a:ext>
+            </a:extLst>
+          </p:cNvPr>
+          <p:cNvSpPr txBox="1"/>
+          <p:nvPr/>
+        </p:nvSpPr>
+        <p:spPr>
+          <a:xfrm>
+            <a:off x="5807446" y="2127572"/>
+            <a:ext cx="1200970" cy="369332"/>
+          </a:xfrm>
+          <a:prstGeom prst="rect">
+            <a:avLst/>
+          </a:prstGeom>
+          <a:noFill/>
+        </p:spPr>
+        <p:txBody>
+          <a:bodyPr wrap="none" rtlCol="0">
+            <a:spAutoFit/>
+          </a:bodyPr>
+          <a:lstStyle/>
+          <a:p>
+            <a:r>
+              <a:rPr lang="en-NL" b="1" dirty="0"/>
+              <a:t>Multiplier</a:t>
+            </a:r>
+          </a:p>
+        </p:txBody>
+      </p:sp>
+      <p:sp>
+        <p:nvSpPr>
+          <p:cNvPr id="7" name="TextBox 6">
+            <a:extLst>
+              <a:ext uri="{FF2B5EF4-FFF2-40B4-BE49-F238E27FC236}">
+                <a16:creationId xmlns:a16="http://schemas.microsoft.com/office/drawing/2014/main" id="{B0A322E2-BEDC-F5CA-BAA0-CBD0A31D0C0C}"/>
+              </a:ext>
+            </a:extLst>
+          </p:cNvPr>
+          <p:cNvSpPr txBox="1"/>
+          <p:nvPr/>
+        </p:nvSpPr>
+        <p:spPr>
+          <a:xfrm>
+            <a:off x="6463235" y="1758240"/>
+            <a:ext cx="1206099" cy="369332"/>
+          </a:xfrm>
+          <a:prstGeom prst="rect">
+            <a:avLst/>
+          </a:prstGeom>
+          <a:noFill/>
+        </p:spPr>
+        <p:txBody>
+          <a:bodyPr wrap="none" rtlCol="0">
+            <a:spAutoFit/>
+          </a:bodyPr>
+          <a:lstStyle/>
+          <a:p>
+            <a:r>
+              <a:rPr lang="en-NL" b="1" dirty="0"/>
+              <a:t>Tolerance</a:t>
+            </a:r>
+          </a:p>
+        </p:txBody>
+      </p:sp>
+      <p:cxnSp>
+        <p:nvCxnSpPr>
+          <p:cNvPr id="11" name="Straight Connector 10">
+            <a:extLst>
+              <a:ext uri="{FF2B5EF4-FFF2-40B4-BE49-F238E27FC236}">
+                <a16:creationId xmlns:a16="http://schemas.microsoft.com/office/drawing/2014/main" id="{8B08326E-2C67-F890-8246-5540B834C1D5}"/>
+              </a:ext>
+            </a:extLst>
+          </p:cNvPr>
+          <p:cNvCxnSpPr>
+            <a:cxnSpLocks/>
+          </p:cNvCxnSpPr>
+          <p:nvPr/>
+        </p:nvCxnSpPr>
+        <p:spPr>
+          <a:xfrm>
+            <a:off x="6289288" y="1546964"/>
+            <a:ext cx="0" cy="658484"/>
+          </a:xfrm>
+          <a:prstGeom prst="line">
+            <a:avLst/>
+          </a:prstGeom>
+          <a:ln>
+            <a:solidFill>
+              <a:srgbClr val="FF0000"/>
+            </a:solidFill>
+          </a:ln>
+        </p:spPr>
+        <p:style>
+          <a:lnRef idx="2">
+            <a:schemeClr val="accent1"/>
+          </a:lnRef>
+          <a:fillRef idx="0">
+            <a:schemeClr val="accent1"/>
+          </a:fillRef>
+          <a:effectRef idx="1">
+            <a:schemeClr val="accent1"/>
+          </a:effectRef>
+          <a:fontRef idx="minor">
+            <a:schemeClr val="tx1"/>
+          </a:fontRef>
+        </p:style>
+      </p:cxnSp>
+      <p:cxnSp>
+        <p:nvCxnSpPr>
+          <p:cNvPr id="12" name="Straight Connector 11">
+            <a:extLst>
+              <a:ext uri="{FF2B5EF4-FFF2-40B4-BE49-F238E27FC236}">
+                <a16:creationId xmlns:a16="http://schemas.microsoft.com/office/drawing/2014/main" id="{F11943B4-5288-72FA-8568-522898E6E1C0}"/>
+              </a:ext>
+            </a:extLst>
+          </p:cNvPr>
+          <p:cNvCxnSpPr>
+            <a:cxnSpLocks/>
+          </p:cNvCxnSpPr>
+          <p:nvPr/>
+        </p:nvCxnSpPr>
+        <p:spPr>
+          <a:xfrm>
+            <a:off x="6642410" y="1546964"/>
+            <a:ext cx="0" cy="211276"/>
+          </a:xfrm>
+          <a:prstGeom prst="line">
+            <a:avLst/>
+          </a:prstGeom>
+          <a:ln>
+            <a:solidFill>
+              <a:srgbClr val="FF0000"/>
+            </a:solidFill>
+          </a:ln>
+        </p:spPr>
+        <p:style>
+          <a:lnRef idx="2">
+            <a:schemeClr val="accent1"/>
+          </a:lnRef>
+          <a:fillRef idx="0">
+            <a:schemeClr val="accent1"/>
+          </a:fillRef>
+          <a:effectRef idx="1">
+            <a:schemeClr val="accent1"/>
+          </a:effectRef>
+          <a:fontRef idx="minor">
+            <a:schemeClr val="tx1"/>
+          </a:fontRef>
+        </p:style>
+      </p:cxnSp>
+      <p:cxnSp>
+        <p:nvCxnSpPr>
+          <p:cNvPr id="15" name="Straight Connector 14">
+            <a:extLst>
+              <a:ext uri="{FF2B5EF4-FFF2-40B4-BE49-F238E27FC236}">
+                <a16:creationId xmlns:a16="http://schemas.microsoft.com/office/drawing/2014/main" id="{5340766B-F334-C287-E237-0E58790DF7D2}"/>
+              </a:ext>
+            </a:extLst>
+          </p:cNvPr>
+          <p:cNvCxnSpPr>
+            <a:cxnSpLocks/>
+          </p:cNvCxnSpPr>
+          <p:nvPr/>
+        </p:nvCxnSpPr>
+        <p:spPr>
+          <a:xfrm>
+            <a:off x="5995959" y="1465545"/>
+            <a:ext cx="0" cy="341218"/>
+          </a:xfrm>
+          <a:prstGeom prst="line">
+            <a:avLst/>
+          </a:prstGeom>
+          <a:ln>
+            <a:solidFill>
+              <a:srgbClr val="FF0000"/>
+            </a:solidFill>
+          </a:ln>
+        </p:spPr>
+        <p:style>
+          <a:lnRef idx="2">
+            <a:schemeClr val="accent1"/>
+          </a:lnRef>
+          <a:fillRef idx="0">
+            <a:schemeClr val="accent1"/>
+          </a:fillRef>
+          <a:effectRef idx="1">
+            <a:schemeClr val="accent1"/>
+          </a:effectRef>
+          <a:fontRef idx="minor">
+            <a:schemeClr val="tx1"/>
+          </a:fontRef>
+        </p:style>
+      </p:cxnSp>
+      <p:cxnSp>
+        <p:nvCxnSpPr>
+          <p:cNvPr id="17" name="Straight Connector 16">
+            <a:extLst>
+              <a:ext uri="{FF2B5EF4-FFF2-40B4-BE49-F238E27FC236}">
+                <a16:creationId xmlns:a16="http://schemas.microsoft.com/office/drawing/2014/main" id="{4DD0840D-86D3-B0D1-EACF-15BEC6FDE321}"/>
+              </a:ext>
+            </a:extLst>
+          </p:cNvPr>
+          <p:cNvCxnSpPr>
+            <a:cxnSpLocks/>
+          </p:cNvCxnSpPr>
+          <p:nvPr/>
+        </p:nvCxnSpPr>
+        <p:spPr>
+          <a:xfrm>
+            <a:off x="5644858" y="1465545"/>
+            <a:ext cx="0" cy="341218"/>
+          </a:xfrm>
+          <a:prstGeom prst="line">
+            <a:avLst/>
+          </a:prstGeom>
+          <a:ln>
+            <a:solidFill>
+              <a:srgbClr val="FF0000"/>
+            </a:solidFill>
+          </a:ln>
+        </p:spPr>
+        <p:style>
+          <a:lnRef idx="2">
+            <a:schemeClr val="accent1"/>
+          </a:lnRef>
+          <a:fillRef idx="0">
+            <a:schemeClr val="accent1"/>
+          </a:fillRef>
+          <a:effectRef idx="1">
+            <a:schemeClr val="accent1"/>
+          </a:effectRef>
+          <a:fontRef idx="minor">
+            <a:schemeClr val="tx1"/>
+          </a:fontRef>
+        </p:style>
+      </p:cxnSp>
+    </p:spTree>
+    <p:extLst>
+      <p:ext uri="{BB962C8B-B14F-4D97-AF65-F5344CB8AC3E}">
+        <p14:creationId xmlns:p14="http://schemas.microsoft.com/office/powerpoint/2010/main" val="223189381"/>
+      </p:ext>
+    </p:extLst>
+  </p:cSld>
+  <p:clrMapOvr>
+    <a:masterClrMapping/>
+  </p:clrMapOvr>
+</p:sld>
+</file>
+
+<file path=ppt/slides/slide4.xml><?xml version="1.0" encoding="utf-8"?>
+<p:sld xmlns:a="http://schemas.openxmlformats.org/drawingml/2006/main" xmlns:r="http://schemas.openxmlformats.org/officeDocument/2006/relationships" xmlns:p="http://schemas.openxmlformats.org/presentationml/2006/main">
+  <p:cSld>
+    <p:spTree>
+      <p:nvGrpSpPr>
+        <p:cNvPr id="1" name=""/>
+        <p:cNvGrpSpPr/>
+        <p:nvPr/>
+      </p:nvGrpSpPr>
+      <p:grpSpPr>
+        <a:xfrm>
+          <a:off x="0" y="0"/>
+          <a:ext cx="0" cy="0"/>
+          <a:chOff x="0" y="0"/>
+          <a:chExt cx="0" cy="0"/>
+        </a:xfrm>
+      </p:grpSpPr>
+    </p:spTree>
+    <p:extLst>
+      <p:ext uri="{BB962C8B-B14F-4D97-AF65-F5344CB8AC3E}">
+        <p14:creationId xmlns:p14="http://schemas.microsoft.com/office/powerpoint/2010/main" val="3379448227"/>
+      </p:ext>
+    </p:extLst>
+  </p:cSld>
+  <p:clrMapOvr>
+    <a:masterClrMapping/>
+  </p:clrMapOvr>
+</p:sld>
+</file>
+
 <file path=ppt/theme/theme1.xml><?xml version="1.0" encoding="utf-8"?>
 <a:theme xmlns:a="http://schemas.openxmlformats.org/drawingml/2006/main" name="Office Theme">
   <a:themeElements>
